--- a/assets/img/imgTools/logo.pptx
+++ b/assets/img/imgTools/logo.pptx
@@ -3340,7 +3340,7 @@
         </p:nvGrpSpPr>
         <p:grpSpPr>
           <a:xfrm>
-            <a:off x="2509158" y="422652"/>
+            <a:off x="2509158" y="600289"/>
             <a:ext cx="1803175" cy="1688889"/>
             <a:chOff x="2509158" y="422652"/>
             <a:chExt cx="1803175" cy="1688889"/>
@@ -3601,9 +3601,9 @@
         <p:grpSpPr>
           <a:xfrm>
             <a:off x="744058" y="531574"/>
-            <a:ext cx="1322751" cy="1471043"/>
+            <a:ext cx="1322751" cy="1635847"/>
             <a:chOff x="629419" y="267289"/>
-            <a:chExt cx="1322751" cy="1471043"/>
+            <a:chExt cx="1322751" cy="1635847"/>
           </a:xfrm>
         </p:grpSpPr>
         <p:pic>
@@ -3656,8 +3656,8 @@
           </p:nvSpPr>
           <p:spPr>
             <a:xfrm>
-              <a:off x="1011395" y="1447033"/>
-              <a:ext cx="558800" cy="291299"/>
+              <a:off x="1011395" y="1497833"/>
+              <a:ext cx="558800" cy="405303"/>
             </a:xfrm>
             <a:prstGeom prst="rect">
               <a:avLst/>
@@ -3691,7 +3691,7 @@
             </a:fontRef>
           </p:style>
           <p:txBody>
-            <a:bodyPr wrap="none" rtlCol="0" anchor="ctr">
+            <a:bodyPr wrap="none" rtlCol="0" anchor="t">
               <a:scene3d>
                 <a:camera prst="orthographicFront"/>
                 <a:lightRig rig="soft" dir="t">

--- a/assets/img/imgTools/logo.pptx
+++ b/assets/img/imgTools/logo.pptx
@@ -259,7 +259,7 @@
           <a:p>
             <a:fld id="{31676251-7A72-42F8-B91E-9130BE13678B}" type="datetimeFigureOut">
               <a:rPr lang="zh-CN" altLang="en-US" smtClean="0"/>
-              <a:t>2024/8/2</a:t>
+              <a:t>2024/8/8</a:t>
             </a:fld>
             <a:endParaRPr lang="zh-CN" altLang="en-US"/>
           </a:p>
@@ -457,7 +457,7 @@
           <a:p>
             <a:fld id="{31676251-7A72-42F8-B91E-9130BE13678B}" type="datetimeFigureOut">
               <a:rPr lang="zh-CN" altLang="en-US" smtClean="0"/>
-              <a:t>2024/8/2</a:t>
+              <a:t>2024/8/8</a:t>
             </a:fld>
             <a:endParaRPr lang="zh-CN" altLang="en-US"/>
           </a:p>
@@ -665,7 +665,7 @@
           <a:p>
             <a:fld id="{31676251-7A72-42F8-B91E-9130BE13678B}" type="datetimeFigureOut">
               <a:rPr lang="zh-CN" altLang="en-US" smtClean="0"/>
-              <a:t>2024/8/2</a:t>
+              <a:t>2024/8/8</a:t>
             </a:fld>
             <a:endParaRPr lang="zh-CN" altLang="en-US"/>
           </a:p>
@@ -863,7 +863,7 @@
           <a:p>
             <a:fld id="{31676251-7A72-42F8-B91E-9130BE13678B}" type="datetimeFigureOut">
               <a:rPr lang="zh-CN" altLang="en-US" smtClean="0"/>
-              <a:t>2024/8/2</a:t>
+              <a:t>2024/8/8</a:t>
             </a:fld>
             <a:endParaRPr lang="zh-CN" altLang="en-US"/>
           </a:p>
@@ -1138,7 +1138,7 @@
           <a:p>
             <a:fld id="{31676251-7A72-42F8-B91E-9130BE13678B}" type="datetimeFigureOut">
               <a:rPr lang="zh-CN" altLang="en-US" smtClean="0"/>
-              <a:t>2024/8/2</a:t>
+              <a:t>2024/8/8</a:t>
             </a:fld>
             <a:endParaRPr lang="zh-CN" altLang="en-US"/>
           </a:p>
@@ -1403,7 +1403,7 @@
           <a:p>
             <a:fld id="{31676251-7A72-42F8-B91E-9130BE13678B}" type="datetimeFigureOut">
               <a:rPr lang="zh-CN" altLang="en-US" smtClean="0"/>
-              <a:t>2024/8/2</a:t>
+              <a:t>2024/8/8</a:t>
             </a:fld>
             <a:endParaRPr lang="zh-CN" altLang="en-US"/>
           </a:p>
@@ -1815,7 +1815,7 @@
           <a:p>
             <a:fld id="{31676251-7A72-42F8-B91E-9130BE13678B}" type="datetimeFigureOut">
               <a:rPr lang="zh-CN" altLang="en-US" smtClean="0"/>
-              <a:t>2024/8/2</a:t>
+              <a:t>2024/8/8</a:t>
             </a:fld>
             <a:endParaRPr lang="zh-CN" altLang="en-US"/>
           </a:p>
@@ -1956,7 +1956,7 @@
           <a:p>
             <a:fld id="{31676251-7A72-42F8-B91E-9130BE13678B}" type="datetimeFigureOut">
               <a:rPr lang="zh-CN" altLang="en-US" smtClean="0"/>
-              <a:t>2024/8/2</a:t>
+              <a:t>2024/8/8</a:t>
             </a:fld>
             <a:endParaRPr lang="zh-CN" altLang="en-US"/>
           </a:p>
@@ -2069,7 +2069,7 @@
           <a:p>
             <a:fld id="{31676251-7A72-42F8-B91E-9130BE13678B}" type="datetimeFigureOut">
               <a:rPr lang="zh-CN" altLang="en-US" smtClean="0"/>
-              <a:t>2024/8/2</a:t>
+              <a:t>2024/8/8</a:t>
             </a:fld>
             <a:endParaRPr lang="zh-CN" altLang="en-US"/>
           </a:p>
@@ -2380,7 +2380,7 @@
           <a:p>
             <a:fld id="{31676251-7A72-42F8-B91E-9130BE13678B}" type="datetimeFigureOut">
               <a:rPr lang="zh-CN" altLang="en-US" smtClean="0"/>
-              <a:t>2024/8/2</a:t>
+              <a:t>2024/8/8</a:t>
             </a:fld>
             <a:endParaRPr lang="zh-CN" altLang="en-US"/>
           </a:p>
@@ -2668,7 +2668,7 @@
           <a:p>
             <a:fld id="{31676251-7A72-42F8-B91E-9130BE13678B}" type="datetimeFigureOut">
               <a:rPr lang="zh-CN" altLang="en-US" smtClean="0"/>
-              <a:t>2024/8/2</a:t>
+              <a:t>2024/8/8</a:t>
             </a:fld>
             <a:endParaRPr lang="zh-CN" altLang="en-US"/>
           </a:p>
@@ -2909,7 +2909,7 @@
           <a:p>
             <a:fld id="{31676251-7A72-42F8-B91E-9130BE13678B}" type="datetimeFigureOut">
               <a:rPr lang="zh-CN" altLang="en-US" smtClean="0"/>
-              <a:t>2024/8/2</a:t>
+              <a:t>2024/8/8</a:t>
             </a:fld>
             <a:endParaRPr lang="zh-CN" altLang="en-US"/>
           </a:p>
@@ -3601,9 +3601,9 @@
         <p:grpSpPr>
           <a:xfrm>
             <a:off x="744058" y="531574"/>
-            <a:ext cx="1322751" cy="1635847"/>
+            <a:ext cx="1322751" cy="1879362"/>
             <a:chOff x="629419" y="267289"/>
-            <a:chExt cx="1322751" cy="1635847"/>
+            <a:chExt cx="1322751" cy="1879362"/>
           </a:xfrm>
         </p:grpSpPr>
         <p:pic>
@@ -3657,7 +3657,7 @@
           <p:spPr>
             <a:xfrm>
               <a:off x="1011395" y="1497833"/>
-              <a:ext cx="558800" cy="405303"/>
+              <a:ext cx="558800" cy="648818"/>
             </a:xfrm>
             <a:prstGeom prst="rect">
               <a:avLst/>
